--- a/Pythonic OOP and encapsulation/Pythonic OOP and encapsulation.pptx
+++ b/Pythonic OOP and encapsulation/Pythonic OOP and encapsulation.pptx
@@ -113,6 +113,11 @@
       </a:defRPr>
     </a:lvl9pPr>
   </p:defaultTextStyle>
+  <p:extLst>
+    <p:ext uri="{EFAFB233-063F-42B5-8137-9DF3F51BA10A}">
+      <p15:sldGuideLst xmlns:p15="http://schemas.microsoft.com/office/powerpoint/2012/main"/>
+    </p:ext>
+  </p:extLst>
 </p:presentation>
 </file>
 
@@ -263,7 +268,7 @@
           <a:p>
             <a:fld id="{AC5E6F8C-E2E5-47A2-945F-BD61DD33E37C}" type="datetimeFigureOut">
               <a:rPr lang="da-DK" smtClean="0"/>
-              <a:t>29-12-2023</a:t>
+              <a:t>03-01-2024</a:t>
             </a:fld>
             <a:endParaRPr lang="da-DK"/>
           </a:p>
@@ -461,7 +466,7 @@
           <a:p>
             <a:fld id="{AC5E6F8C-E2E5-47A2-945F-BD61DD33E37C}" type="datetimeFigureOut">
               <a:rPr lang="da-DK" smtClean="0"/>
-              <a:t>29-12-2023</a:t>
+              <a:t>03-01-2024</a:t>
             </a:fld>
             <a:endParaRPr lang="da-DK"/>
           </a:p>
@@ -669,7 +674,7 @@
           <a:p>
             <a:fld id="{AC5E6F8C-E2E5-47A2-945F-BD61DD33E37C}" type="datetimeFigureOut">
               <a:rPr lang="da-DK" smtClean="0"/>
-              <a:t>29-12-2023</a:t>
+              <a:t>03-01-2024</a:t>
             </a:fld>
             <a:endParaRPr lang="da-DK"/>
           </a:p>
@@ -867,7 +872,7 @@
           <a:p>
             <a:fld id="{AC5E6F8C-E2E5-47A2-945F-BD61DD33E37C}" type="datetimeFigureOut">
               <a:rPr lang="da-DK" smtClean="0"/>
-              <a:t>29-12-2023</a:t>
+              <a:t>03-01-2024</a:t>
             </a:fld>
             <a:endParaRPr lang="da-DK"/>
           </a:p>
@@ -1142,7 +1147,7 @@
           <a:p>
             <a:fld id="{AC5E6F8C-E2E5-47A2-945F-BD61DD33E37C}" type="datetimeFigureOut">
               <a:rPr lang="da-DK" smtClean="0"/>
-              <a:t>29-12-2023</a:t>
+              <a:t>03-01-2024</a:t>
             </a:fld>
             <a:endParaRPr lang="da-DK"/>
           </a:p>
@@ -1407,7 +1412,7 @@
           <a:p>
             <a:fld id="{AC5E6F8C-E2E5-47A2-945F-BD61DD33E37C}" type="datetimeFigureOut">
               <a:rPr lang="da-DK" smtClean="0"/>
-              <a:t>29-12-2023</a:t>
+              <a:t>03-01-2024</a:t>
             </a:fld>
             <a:endParaRPr lang="da-DK"/>
           </a:p>
@@ -1819,7 +1824,7 @@
           <a:p>
             <a:fld id="{AC5E6F8C-E2E5-47A2-945F-BD61DD33E37C}" type="datetimeFigureOut">
               <a:rPr lang="da-DK" smtClean="0"/>
-              <a:t>29-12-2023</a:t>
+              <a:t>03-01-2024</a:t>
             </a:fld>
             <a:endParaRPr lang="da-DK"/>
           </a:p>
@@ -1960,7 +1965,7 @@
           <a:p>
             <a:fld id="{AC5E6F8C-E2E5-47A2-945F-BD61DD33E37C}" type="datetimeFigureOut">
               <a:rPr lang="da-DK" smtClean="0"/>
-              <a:t>29-12-2023</a:t>
+              <a:t>03-01-2024</a:t>
             </a:fld>
             <a:endParaRPr lang="da-DK"/>
           </a:p>
@@ -2073,7 +2078,7 @@
           <a:p>
             <a:fld id="{AC5E6F8C-E2E5-47A2-945F-BD61DD33E37C}" type="datetimeFigureOut">
               <a:rPr lang="da-DK" smtClean="0"/>
-              <a:t>29-12-2023</a:t>
+              <a:t>03-01-2024</a:t>
             </a:fld>
             <a:endParaRPr lang="da-DK"/>
           </a:p>
@@ -2384,7 +2389,7 @@
           <a:p>
             <a:fld id="{AC5E6F8C-E2E5-47A2-945F-BD61DD33E37C}" type="datetimeFigureOut">
               <a:rPr lang="da-DK" smtClean="0"/>
-              <a:t>29-12-2023</a:t>
+              <a:t>03-01-2024</a:t>
             </a:fld>
             <a:endParaRPr lang="da-DK"/>
           </a:p>
@@ -2672,7 +2677,7 @@
           <a:p>
             <a:fld id="{AC5E6F8C-E2E5-47A2-945F-BD61DD33E37C}" type="datetimeFigureOut">
               <a:rPr lang="da-DK" smtClean="0"/>
-              <a:t>29-12-2023</a:t>
+              <a:t>03-01-2024</a:t>
             </a:fld>
             <a:endParaRPr lang="da-DK"/>
           </a:p>
@@ -2913,7 +2918,7 @@
           <a:p>
             <a:fld id="{AC5E6F8C-E2E5-47A2-945F-BD61DD33E37C}" type="datetimeFigureOut">
               <a:rPr lang="da-DK" smtClean="0"/>
-              <a:t>29-12-2023</a:t>
+              <a:t>03-01-2024</a:t>
             </a:fld>
             <a:endParaRPr lang="da-DK"/>
           </a:p>
@@ -15549,263 +15554,6 @@
           </p:style>
         </p:cxnSp>
       </p:grpSp>
-      <p:sp>
-        <p:nvSpPr>
-          <p:cNvPr id="5" name="Rectangle 2">
-            <a:extLst>
-              <a:ext uri="{FF2B5EF4-FFF2-40B4-BE49-F238E27FC236}">
-                <a16:creationId xmlns:a16="http://schemas.microsoft.com/office/drawing/2014/main" id="{1DAC7DD2-EA50-599C-372B-D21B0B2888E7}"/>
-              </a:ext>
-            </a:extLst>
-          </p:cNvPr>
-          <p:cNvSpPr>
-            <a:spLocks noChangeArrowheads="1"/>
-          </p:cNvSpPr>
-          <p:nvPr/>
-        </p:nvSpPr>
-        <p:spPr bwMode="auto">
-          <a:xfrm>
-            <a:off x="0" y="-669414"/>
-            <a:ext cx="4783104" cy="1338828"/>
-          </a:xfrm>
-          <a:prstGeom prst="rect">
-            <a:avLst/>
-          </a:prstGeom>
-          <a:solidFill>
-            <a:srgbClr val="343541"/>
-          </a:solidFill>
-          <a:ln>
-            <a:noFill/>
-          </a:ln>
-          <a:effectLst/>
-          <a:extLst>
-            <a:ext uri="{91240B29-F687-4F45-9708-019B960494DF}">
-              <a14:hiddenLine xmlns:a14="http://schemas.microsoft.com/office/drawing/2010/main" w="9525">
-                <a:solidFill>
-                  <a:schemeClr val="tx1"/>
-                </a:solidFill>
-                <a:miter lim="800000"/>
-                <a:headEnd/>
-                <a:tailEnd/>
-              </a14:hiddenLine>
-            </a:ext>
-            <a:ext uri="{AF507438-7753-43E0-B8FC-AC1667EBCBE1}">
-              <a14:hiddenEffects xmlns:a14="http://schemas.microsoft.com/office/drawing/2010/main">
-                <a:effectLst>
-                  <a:outerShdw dist="35921" dir="2700000" algn="ctr" rotWithShape="0">
-                    <a:schemeClr val="bg2"/>
-                  </a:outerShdw>
-                </a:effectLst>
-              </a14:hiddenEffects>
-            </a:ext>
-          </a:extLst>
-        </p:spPr>
-        <p:txBody>
-          <a:bodyPr vert="horz" wrap="none" lIns="91440" tIns="45720" rIns="91440" bIns="45720" numCol="1" anchor="ctr" anchorCtr="0" compatLnSpc="1">
-            <a:prstTxWarp prst="textNoShape">
-              <a:avLst/>
-            </a:prstTxWarp>
-            <a:spAutoFit/>
-          </a:bodyPr>
-          <a:lstStyle/>
-          <a:p>
-            <a:pPr marL="0" marR="0" lvl="0" indent="0" algn="l" defTabSz="914400" rtl="0" eaLnBrk="0" fontAlgn="base" latinLnBrk="0" hangingPunct="0">
-              <a:spcBef>
-                <a:spcPct val="0"/>
-              </a:spcBef>
-              <a:spcAft>
-                <a:spcPts val="600"/>
-              </a:spcAft>
-              <a:buClrTx/>
-              <a:buSzTx/>
-              <a:buFontTx/>
-              <a:buNone/>
-              <a:tabLst/>
-            </a:pPr>
-            <a:r>
-              <a:rPr kumimoji="0" lang="da-DK" altLang="da-DK" sz="1200" b="0" i="0" u="none" strike="noStrike" cap="none" normalizeH="0" baseline="0">
-                <a:ln>
-                  <a:noFill/>
-                </a:ln>
-                <a:solidFill>
-                  <a:srgbClr val="D1D5DB"/>
-                </a:solidFill>
-                <a:effectLst/>
-                <a:latin typeface="Söhne"/>
-              </a:rPr>
-              <a:t>"Ændring af Objektegenskaber"</a:t>
-            </a:r>
-            <a:endParaRPr kumimoji="0" lang="da-DK" altLang="da-DK" sz="300" b="0" i="0" u="none" strike="noStrike" cap="none" normalizeH="0" baseline="0">
-              <a:ln>
-                <a:noFill/>
-              </a:ln>
-              <a:solidFill>
-                <a:schemeClr val="tx1"/>
-              </a:solidFill>
-              <a:effectLst/>
-            </a:endParaRPr>
-          </a:p>
-          <a:p>
-            <a:pPr marL="0" marR="0" lvl="0" indent="0" algn="l" defTabSz="914400" rtl="0" eaLnBrk="0" fontAlgn="base" latinLnBrk="0" hangingPunct="0">
-              <a:spcBef>
-                <a:spcPct val="0"/>
-              </a:spcBef>
-              <a:spcAft>
-                <a:spcPts val="600"/>
-              </a:spcAft>
-              <a:buClrTx/>
-              <a:buSzTx/>
-              <a:buFontTx/>
-              <a:buChar char="•"/>
-              <a:tabLst/>
-            </a:pPr>
-            <a:r>
-              <a:rPr kumimoji="0" lang="da-DK" altLang="da-DK" sz="1200" b="0" i="0" u="none" strike="noStrike" cap="none" normalizeH="0" baseline="0">
-                <a:ln>
-                  <a:noFill/>
-                </a:ln>
-                <a:solidFill>
-                  <a:srgbClr val="D1D5DB"/>
-                </a:solidFill>
-                <a:effectLst/>
-                <a:latin typeface="Söhne"/>
-              </a:rPr>
-              <a:t>"Opdatering af </a:t>
-            </a:r>
-            <a:r>
-              <a:rPr kumimoji="0" lang="da-DK" altLang="da-DK" b="1" i="0" u="none" strike="noStrike" cap="none" normalizeH="0" baseline="0">
-                <a:ln>
-                  <a:noFill/>
-                </a:ln>
-                <a:solidFill>
-                  <a:srgbClr val="D1D5DB"/>
-                </a:solidFill>
-                <a:effectLst/>
-                <a:latin typeface="Söhne Mono"/>
-              </a:rPr>
-              <a:t>navn</a:t>
-            </a:r>
-            <a:r>
-              <a:rPr kumimoji="0" lang="da-DK" altLang="da-DK" sz="1200" b="0" i="0" u="none" strike="noStrike" cap="none" normalizeH="0" baseline="0">
-                <a:ln>
-                  <a:noFill/>
-                </a:ln>
-                <a:solidFill>
-                  <a:srgbClr val="D1D5DB"/>
-                </a:solidFill>
-                <a:effectLst/>
-                <a:latin typeface="Söhne"/>
-              </a:rPr>
-              <a:t> og </a:t>
-            </a:r>
-            <a:r>
-              <a:rPr kumimoji="0" lang="da-DK" altLang="da-DK" b="1" i="0" u="none" strike="noStrike" cap="none" normalizeH="0" baseline="0">
-                <a:ln>
-                  <a:noFill/>
-                </a:ln>
-                <a:solidFill>
-                  <a:srgbClr val="D1D5DB"/>
-                </a:solidFill>
-                <a:effectLst/>
-                <a:latin typeface="Söhne Mono"/>
-              </a:rPr>
-              <a:t>alder</a:t>
-            </a:r>
-            <a:r>
-              <a:rPr kumimoji="0" lang="da-DK" altLang="da-DK" sz="1200" b="0" i="0" u="none" strike="noStrike" cap="none" normalizeH="0" baseline="0">
-                <a:ln>
-                  <a:noFill/>
-                </a:ln>
-                <a:solidFill>
-                  <a:srgbClr val="D1D5DB"/>
-                </a:solidFill>
-                <a:effectLst/>
-                <a:latin typeface="Söhne"/>
-              </a:rPr>
-              <a:t> gennem setter-metoder."</a:t>
-            </a:r>
-          </a:p>
-          <a:p>
-            <a:pPr marL="0" marR="0" lvl="0" indent="0" algn="l" defTabSz="914400" rtl="0" eaLnBrk="0" fontAlgn="base" latinLnBrk="0" hangingPunct="0">
-              <a:spcBef>
-                <a:spcPct val="0"/>
-              </a:spcBef>
-              <a:spcAft>
-                <a:spcPts val="600"/>
-              </a:spcAft>
-              <a:buClrTx/>
-              <a:buSzTx/>
-              <a:buFontTx/>
-              <a:buChar char="•"/>
-              <a:tabLst/>
-            </a:pPr>
-            <a:r>
-              <a:rPr kumimoji="0" lang="da-DK" altLang="da-DK" sz="1200" b="0" i="0" u="none" strike="noStrike" cap="none" normalizeH="0" baseline="0">
-                <a:ln>
-                  <a:noFill/>
-                </a:ln>
-                <a:solidFill>
-                  <a:srgbClr val="D1D5DB"/>
-                </a:solidFill>
-                <a:effectLst/>
-                <a:latin typeface="Söhne"/>
-              </a:rPr>
-              <a:t>"Eksempel på fejlhåndtering ved at forsøge at sætte en ugyldig </a:t>
-            </a:r>
-            <a:r>
-              <a:rPr kumimoji="0" lang="da-DK" altLang="da-DK" b="1" i="0" u="none" strike="noStrike" cap="none" normalizeH="0" baseline="0">
-                <a:ln>
-                  <a:noFill/>
-                </a:ln>
-                <a:solidFill>
-                  <a:srgbClr val="D1D5DB"/>
-                </a:solidFill>
-                <a:effectLst/>
-                <a:latin typeface="Söhne Mono"/>
-              </a:rPr>
-              <a:t>alder</a:t>
-            </a:r>
-            <a:r>
-              <a:rPr kumimoji="0" lang="da-DK" altLang="da-DK" sz="1200" b="0" i="0" u="none" strike="noStrike" cap="none" normalizeH="0" baseline="0">
-                <a:ln>
-                  <a:noFill/>
-                </a:ln>
-                <a:solidFill>
-                  <a:srgbClr val="D1D5DB"/>
-                </a:solidFill>
-                <a:effectLst/>
-                <a:latin typeface="Söhne"/>
-              </a:rPr>
-              <a:t>."</a:t>
-            </a:r>
-          </a:p>
-          <a:p>
-            <a:pPr marL="0" marR="0" lvl="0" indent="0" algn="l" defTabSz="914400" rtl="0" eaLnBrk="0" fontAlgn="base" latinLnBrk="0" hangingPunct="0">
-              <a:spcBef>
-                <a:spcPct val="0"/>
-              </a:spcBef>
-              <a:spcAft>
-                <a:spcPts val="600"/>
-              </a:spcAft>
-              <a:buClrTx/>
-              <a:buSzTx/>
-              <a:buFontTx/>
-              <a:buNone/>
-              <a:tabLst/>
-            </a:pPr>
-            <a:endParaRPr kumimoji="0" lang="da-DK" altLang="da-DK" sz="1800" b="0" i="0" u="none" strike="noStrike" cap="none" normalizeH="0" baseline="0">
-              <a:ln>
-                <a:noFill/>
-              </a:ln>
-              <a:solidFill>
-                <a:schemeClr val="tx1"/>
-              </a:solidFill>
-              <a:effectLst/>
-              <a:latin typeface="Arial" panose="020B0604020202020204" pitchFamily="34" charset="0"/>
-            </a:endParaRPr>
-          </a:p>
-        </p:txBody>
-      </p:sp>
     </p:spTree>
     <p:extLst>
       <p:ext uri="{BB962C8B-B14F-4D97-AF65-F5344CB8AC3E}">
